--- a/docs/images/kolony.pptx
+++ b/docs/images/kolony.pptx
@@ -3361,7 +3361,7 @@
         </p:nvSpPr>
         <p:spPr>
           <a:xfrm>
-            <a:off x="3927360" y="5714164"/>
+            <a:off x="1268243" y="5703654"/>
             <a:ext cx="4477407" cy="767255"/>
           </a:xfrm>
           <a:prstGeom prst="rect">
@@ -3424,7 +3424,7 @@
         </p:nvSpPr>
         <p:spPr>
           <a:xfrm>
-            <a:off x="3927360" y="5094054"/>
+            <a:off x="1268243" y="5083544"/>
             <a:ext cx="1933903" cy="620110"/>
           </a:xfrm>
           <a:prstGeom prst="rect">
@@ -3488,7 +3488,7 @@
         </p:nvSpPr>
         <p:spPr>
           <a:xfrm rot="5400000">
-            <a:off x="3660311" y="4296581"/>
+            <a:off x="1001194" y="4286071"/>
             <a:ext cx="1298029" cy="296917"/>
           </a:xfrm>
           <a:prstGeom prst="rect">
@@ -3549,7 +3549,7 @@
         </p:nvSpPr>
         <p:spPr>
           <a:xfrm>
-            <a:off x="3927360" y="364884"/>
+            <a:off x="1268243" y="354374"/>
             <a:ext cx="4477407" cy="1206862"/>
           </a:xfrm>
           <a:prstGeom prst="rect">
@@ -3609,7 +3609,7 @@
         </p:nvSpPr>
         <p:spPr>
           <a:xfrm>
-            <a:off x="10347168" y="791467"/>
+            <a:off x="7688051" y="780957"/>
             <a:ext cx="1377649" cy="767255"/>
           </a:xfrm>
           <a:prstGeom prst="rect">
@@ -3672,7 +3672,7 @@
         </p:nvSpPr>
         <p:spPr>
           <a:xfrm>
-            <a:off x="8543457" y="682283"/>
+            <a:off x="5884340" y="671773"/>
             <a:ext cx="1781579" cy="338554"/>
           </a:xfrm>
           <a:prstGeom prst="rect">
@@ -3710,7 +3710,7 @@
         </p:nvCxnSpPr>
         <p:spPr>
           <a:xfrm flipH="1">
-            <a:off x="8404767" y="1065911"/>
+            <a:off x="5745650" y="1055401"/>
             <a:ext cx="1942401" cy="13024"/>
           </a:xfrm>
           <a:prstGeom prst="straightConnector1">
@@ -3755,7 +3755,7 @@
         </p:nvCxnSpPr>
         <p:spPr>
           <a:xfrm flipV="1">
-            <a:off x="5907880" y="1553026"/>
+            <a:off x="3248763" y="1555042"/>
             <a:ext cx="1" cy="879460"/>
           </a:xfrm>
           <a:prstGeom prst="straightConnector1">
@@ -3800,7 +3800,7 @@
         </p:nvCxnSpPr>
         <p:spPr>
           <a:xfrm flipH="1" flipV="1">
-            <a:off x="6512400" y="1567610"/>
+            <a:off x="3853283" y="1557100"/>
             <a:ext cx="1016" cy="879460"/>
           </a:xfrm>
           <a:prstGeom prst="straightConnector1">
@@ -3845,7 +3845,7 @@
         </p:nvCxnSpPr>
         <p:spPr>
           <a:xfrm flipH="1">
-            <a:off x="8404766" y="1355903"/>
+            <a:off x="5745649" y="1345393"/>
             <a:ext cx="1942401" cy="13024"/>
           </a:xfrm>
           <a:prstGeom prst="straightConnector1">
@@ -3888,7 +3888,7 @@
         </p:nvSpPr>
         <p:spPr>
           <a:xfrm>
-            <a:off x="8946244" y="1398333"/>
+            <a:off x="6287127" y="1387823"/>
             <a:ext cx="1781579" cy="338554"/>
           </a:xfrm>
           <a:prstGeom prst="rect">
@@ -3924,7 +3924,7 @@
         </p:nvSpPr>
         <p:spPr>
           <a:xfrm>
-            <a:off x="4061267" y="1026635"/>
+            <a:off x="1402150" y="1016125"/>
             <a:ext cx="1298029" cy="296917"/>
           </a:xfrm>
           <a:prstGeom prst="rect">
@@ -3985,7 +3985,7 @@
         </p:nvSpPr>
         <p:spPr>
           <a:xfrm>
-            <a:off x="5512396" y="1027893"/>
+            <a:off x="2853279" y="1017383"/>
             <a:ext cx="1298029" cy="296917"/>
           </a:xfrm>
           <a:prstGeom prst="rect">
@@ -4046,7 +4046,7 @@
         </p:nvSpPr>
         <p:spPr>
           <a:xfrm>
-            <a:off x="6969719" y="1027893"/>
+            <a:off x="4310602" y="1017383"/>
             <a:ext cx="1298029" cy="296917"/>
           </a:xfrm>
           <a:prstGeom prst="rect">
@@ -4107,7 +4107,7 @@
         </p:nvSpPr>
         <p:spPr>
           <a:xfrm>
-            <a:off x="2804787" y="1897226"/>
+            <a:off x="145670" y="1886716"/>
             <a:ext cx="3009078" cy="338554"/>
           </a:xfrm>
           <a:prstGeom prst="rect">
@@ -4143,7 +4143,7 @@
         </p:nvSpPr>
         <p:spPr>
           <a:xfrm>
-            <a:off x="3927360" y="2453945"/>
+            <a:off x="1268243" y="2443435"/>
             <a:ext cx="4477407" cy="767255"/>
           </a:xfrm>
           <a:prstGeom prst="rect">
@@ -4203,7 +4203,7 @@
         </p:nvSpPr>
         <p:spPr>
           <a:xfrm>
-            <a:off x="3111136" y="529403"/>
+            <a:off x="452019" y="518893"/>
             <a:ext cx="6100548" cy="369332"/>
           </a:xfrm>
           <a:prstGeom prst="rect">
@@ -4243,7 +4243,7 @@
         </p:nvSpPr>
         <p:spPr>
           <a:xfrm>
-            <a:off x="3128747" y="2670741"/>
+            <a:off x="469630" y="2660231"/>
             <a:ext cx="6100548" cy="369332"/>
           </a:xfrm>
           <a:prstGeom prst="rect">
@@ -4283,7 +4283,7 @@
         </p:nvSpPr>
         <p:spPr>
           <a:xfrm>
-            <a:off x="4087100" y="2651150"/>
+            <a:off x="1427983" y="2640640"/>
             <a:ext cx="181806" cy="188046"/>
           </a:xfrm>
           <a:prstGeom prst="ellipse">
@@ -4340,7 +4340,7 @@
         </p:nvCxnSpPr>
         <p:spPr>
           <a:xfrm flipH="1" flipV="1">
-            <a:off x="3500185" y="2217334"/>
+            <a:off x="841068" y="2206824"/>
             <a:ext cx="613540" cy="461355"/>
           </a:xfrm>
           <a:prstGeom prst="straightConnector1">
@@ -4386,7 +4386,7 @@
         </p:nvCxnSpPr>
         <p:spPr>
           <a:xfrm flipV="1">
-            <a:off x="6179021" y="3228075"/>
+            <a:off x="3519904" y="3217565"/>
             <a:ext cx="0" cy="2486089"/>
           </a:xfrm>
           <a:prstGeom prst="straightConnector1">
@@ -4429,7 +4429,7 @@
         </p:nvSpPr>
         <p:spPr>
           <a:xfrm>
-            <a:off x="6220217" y="4275762"/>
+            <a:off x="3561100" y="4265252"/>
             <a:ext cx="3009078" cy="338554"/>
           </a:xfrm>
           <a:prstGeom prst="rect">
@@ -4465,7 +4465,7 @@
         </p:nvSpPr>
         <p:spPr>
           <a:xfrm>
-            <a:off x="5134126" y="1855809"/>
+            <a:off x="2475009" y="1845299"/>
             <a:ext cx="1083043" cy="338554"/>
           </a:xfrm>
           <a:prstGeom prst="rect">
@@ -4500,7 +4500,7 @@
         </p:nvSpPr>
         <p:spPr>
           <a:xfrm>
-            <a:off x="6587619" y="1846900"/>
+            <a:off x="3928502" y="1836390"/>
             <a:ext cx="3009078" cy="338554"/>
           </a:xfrm>
           <a:prstGeom prst="rect">
@@ -4517,6 +4517,120 @@
             <a:r>
               <a:rPr lang="en-US" sz="1600" dirty="0"/>
               <a:t>Process</a:t>
+            </a:r>
+          </a:p>
+        </p:txBody>
+      </p:sp>
+      <p:sp>
+        <p:nvSpPr>
+          <p:cNvPr id="56" name="TextBox 55">
+            <a:extLst>
+              <a:ext uri="{FF2B5EF4-FFF2-40B4-BE49-F238E27FC236}">
+                <a16:creationId xmlns:a16="http://schemas.microsoft.com/office/drawing/2014/main" id="{82E640B1-4320-6A4F-BE24-0F7B9245CF74}"/>
+              </a:ext>
+            </a:extLst>
+          </p:cNvPr>
+          <p:cNvSpPr txBox="1"/>
+          <p:nvPr/>
+        </p:nvSpPr>
+        <p:spPr>
+          <a:xfrm>
+            <a:off x="7569939" y="1876238"/>
+            <a:ext cx="4476391" cy="3416320"/>
+          </a:xfrm>
+          <a:prstGeom prst="rect">
+            <a:avLst/>
+          </a:prstGeom>
+          <a:noFill/>
+          <a:ln>
+            <a:solidFill>
+              <a:schemeClr val="tx1"/>
+            </a:solidFill>
+          </a:ln>
+        </p:spPr>
+        <p:txBody>
+          <a:bodyPr wrap="square">
+            <a:spAutoFit/>
+          </a:bodyPr>
+          <a:lstStyle/>
+          <a:p>
+            <a:r>
+              <a:rPr lang="en-US" sz="1600" dirty="0"/>
+              <a:t>{</a:t>
+            </a:r>
+          </a:p>
+          <a:p>
+            <a:r>
+              <a:rPr lang="en-US" sz="1600" dirty="0"/>
+              <a:t>    "conditions": {</a:t>
+            </a:r>
+          </a:p>
+          <a:p>
+            <a:r>
+              <a:rPr lang="en-US" sz="1600" dirty="0"/>
+              <a:t>        "runtimetype": "</a:t>
+            </a:r>
+            <a:r>
+              <a:rPr lang="en-US" sz="1600" dirty="0" err="1"/>
+              <a:t>kolony_runtime</a:t>
+            </a:r>
+            <a:r>
+              <a:rPr lang="en-US" sz="1600" dirty="0"/>
+              <a:t>"                                                                                                                 },</a:t>
+            </a:r>
+          </a:p>
+          <a:p>
+            <a:r>
+              <a:rPr lang="en-US" sz="1600" dirty="0"/>
+              <a:t>    "env": {</a:t>
+            </a:r>
+          </a:p>
+          <a:p>
+            <a:r>
+              <a:rPr lang="en-US" sz="1600" dirty="0"/>
+              <a:t>        "name": "fibonacci",</a:t>
+            </a:r>
+          </a:p>
+          <a:p>
+            <a:r>
+              <a:rPr lang="en-US" sz="1600" dirty="0"/>
+              <a:t>        "container_image": "johan/fibonacci",</a:t>
+            </a:r>
+          </a:p>
+          <a:p>
+            <a:r>
+              <a:rPr lang="en-US" sz="1600" dirty="0"/>
+              <a:t>        "cmd": "go run solver.go",</a:t>
+            </a:r>
+          </a:p>
+          <a:p>
+            <a:r>
+              <a:rPr lang="en-US" sz="1600" dirty="0"/>
+              <a:t>        "cores": "2",</a:t>
+            </a:r>
+          </a:p>
+          <a:p>
+            <a:r>
+              <a:rPr lang="en-US" sz="1600" dirty="0"/>
+              <a:t>        "mem": "4000",</a:t>
+            </a:r>
+          </a:p>
+          <a:p>
+            <a:r>
+              <a:rPr lang="en-US" sz="1600" dirty="0"/>
+              <a:t>        "gpus": "0"</a:t>
+            </a:r>
+          </a:p>
+          <a:p>
+            <a:r>
+              <a:rPr lang="en-US" sz="1600" dirty="0"/>
+              <a:t>    }</a:t>
+            </a:r>
+          </a:p>
+          <a:p>
+            <a:r>
+              <a:rPr lang="en-US" sz="1600" dirty="0"/>
+              <a:t>}</a:t>
             </a:r>
           </a:p>
         </p:txBody>
